--- a/backend/routes/generated-ppt.pptx
+++ b/backend/routes/generated-ppt.pptx
@@ -1110,7 +1110,7 @@
 
 <file path=ppt/slideLayouts/slideLayout2.xml><?xml version="1.0" encoding="utf-8"?>
 <p:sldLayout xmlns:a="http://schemas.openxmlformats.org/drawingml/2006/main" xmlns:r="http://schemas.openxmlformats.org/officeDocument/2006/relationships" xmlns:p="http://schemas.openxmlformats.org/presentationml/2006/main" preserve="1">
-  <p:cSld name="GENERIC_SIMPLE">
+  <p:cSld name="GENERIC_MODERN">
     <p:bg>
       <p:bgPr>
         <a:blipFill dpi="0" rotWithShape="1">
@@ -1490,7 +1490,7 @@
                   <a:srgbClr val="000000"/>
                 </a:solidFill>
               </a:rPr>
-              <a:t>Introduction to Blockchain Technology</a:t>
+              <a:t>Introduction to Binary Search</a:t>
             </a:r>
             <a:endParaRPr lang="en-US" sz="2200" dirty="0"/>
           </a:p>
@@ -1521,25 +1521,25 @@
               <a:buNone/>
             </a:pPr>
             <a:r>
+              <a:rPr lang="en-US" sz="1400" dirty="0">
+                <a:solidFill>
+                  <a:srgbClr val="A53010"/>
+                </a:solidFill>
+              </a:rPr>
+              <a:t>► </a:t>
+            </a:r>
+            <a:pPr algn="l" indent="0" marL="0">
+              <a:buNone/>
+            </a:pPr>
+            <a:r>
               <a:rPr lang="en-US" sz="1600" dirty="0">
                 <a:solidFill>
-                  <a:srgbClr val="30ACEC"/>
-                </a:solidFill>
-              </a:rPr>
-              <a:t>• </a:t>
-            </a:r>
-            <a:pPr algn="l" indent="0" marL="0">
-              <a:buNone/>
-            </a:pPr>
-            <a:r>
-              <a:rPr lang="en-US" sz="1600" dirty="0">
-                <a:solidFill>
                   <a:srgbClr val="333333"/>
                 </a:solidFill>
               </a:rPr>
-              <a:t>Decentralized digital ledger system</a:t>
-            </a:r>
-            <a:endParaRPr lang="en-US" sz="1600" dirty="0"/>
+              <a:t>A highly efficient searching algorithm</a:t>
+            </a:r>
+            <a:endParaRPr lang="en-US" sz="1400" dirty="0"/>
           </a:p>
         </p:txBody>
       </p:sp>
@@ -1568,25 +1568,25 @@
               <a:buNone/>
             </a:pPr>
             <a:r>
+              <a:rPr lang="en-US" sz="1400" dirty="0">
+                <a:solidFill>
+                  <a:srgbClr val="A53010"/>
+                </a:solidFill>
+              </a:rPr>
+              <a:t>► </a:t>
+            </a:r>
+            <a:pPr algn="l" indent="0" marL="0">
+              <a:buNone/>
+            </a:pPr>
+            <a:r>
               <a:rPr lang="en-US" sz="1600" dirty="0">
                 <a:solidFill>
-                  <a:srgbClr val="30ACEC"/>
-                </a:solidFill>
-              </a:rPr>
-              <a:t>• </a:t>
-            </a:r>
-            <a:pPr algn="l" indent="0" marL="0">
-              <a:buNone/>
-            </a:pPr>
-            <a:r>
-              <a:rPr lang="en-US" sz="1600" dirty="0">
-                <a:solidFill>
                   <a:srgbClr val="333333"/>
                 </a:solidFill>
               </a:rPr>
-              <a:t>Transparent and immutable records</a:t>
-            </a:r>
-            <a:endParaRPr lang="en-US" sz="1600" dirty="0"/>
+              <a:t>Works on sorted arrays</a:t>
+            </a:r>
+            <a:endParaRPr lang="en-US" sz="1400" dirty="0"/>
           </a:p>
         </p:txBody>
       </p:sp>
@@ -1615,25 +1615,25 @@
               <a:buNone/>
             </a:pPr>
             <a:r>
+              <a:rPr lang="en-US" sz="1400" dirty="0">
+                <a:solidFill>
+                  <a:srgbClr val="A53010"/>
+                </a:solidFill>
+              </a:rPr>
+              <a:t>► </a:t>
+            </a:r>
+            <a:pPr algn="l" indent="0" marL="0">
+              <a:buNone/>
+            </a:pPr>
+            <a:r>
               <a:rPr lang="en-US" sz="1600" dirty="0">
                 <a:solidFill>
-                  <a:srgbClr val="30ACEC"/>
-                </a:solidFill>
-              </a:rPr>
-              <a:t>• </a:t>
-            </a:r>
-            <a:pPr algn="l" indent="0" marL="0">
-              <a:buNone/>
-            </a:pPr>
-            <a:r>
-              <a:rPr lang="en-US" sz="1600" dirty="0">
-                <a:solidFill>
                   <a:srgbClr val="333333"/>
                 </a:solidFill>
               </a:rPr>
-              <a:t>Peer-to-peer network architecture</a:t>
-            </a:r>
-            <a:endParaRPr lang="en-US" sz="1600" dirty="0"/>
+              <a:t>Divides search interval in half</a:t>
+            </a:r>
+            <a:endParaRPr lang="en-US" sz="1400" dirty="0"/>
           </a:p>
         </p:txBody>
       </p:sp>
@@ -1662,51 +1662,28 @@
               <a:buNone/>
             </a:pPr>
             <a:r>
+              <a:rPr lang="en-US" sz="1400" dirty="0">
+                <a:solidFill>
+                  <a:srgbClr val="A53010"/>
+                </a:solidFill>
+              </a:rPr>
+              <a:t>► </a:t>
+            </a:r>
+            <a:pPr algn="l" indent="0" marL="0">
+              <a:buNone/>
+            </a:pPr>
+            <a:r>
               <a:rPr lang="en-US" sz="1600" dirty="0">
                 <a:solidFill>
-                  <a:srgbClr val="30ACEC"/>
-                </a:solidFill>
-              </a:rPr>
-              <a:t>• </a:t>
-            </a:r>
-            <a:pPr algn="l" indent="0" marL="0">
-              <a:buNone/>
-            </a:pPr>
-            <a:r>
-              <a:rPr lang="en-US" sz="1600" dirty="0">
-                <a:solidFill>
                   <a:srgbClr val="333333"/>
                 </a:solidFill>
               </a:rPr>
-              <a:t>Cryptographic security measures</a:t>
-            </a:r>
-            <a:endParaRPr lang="en-US" sz="1600" dirty="0"/>
-          </a:p>
-        </p:txBody>
-      </p:sp>
-      <p:pic>
-        <p:nvPicPr>
-          <p:cNvPr id="7" name="Image 0" descr="./generated_image.png">    </p:cNvPr>
-          <p:cNvPicPr>
-            <a:picLocks noChangeAspect="1"/>
-          </p:cNvPicPr>
-          <p:nvPr/>
-        </p:nvPicPr>
-        <p:blipFill>
-          <a:blip r:embed="rId1"/>
-          <a:srcRect l="0" r="0" t="5556" b="5556"/>
-          <a:stretch/>
-        </p:blipFill>
-        <p:spPr>
-          <a:xfrm>
-            <a:off x="5486400" y="1828800"/>
-            <a:ext cx="2743200" cy="1828800"/>
-          </a:xfrm>
-          <a:prstGeom prst="rect">
-            <a:avLst/>
-          </a:prstGeom>
-        </p:spPr>
-      </p:pic>
+              <a:t>Time complexity: O(log n)</a:t>
+            </a:r>
+            <a:endParaRPr lang="en-US" sz="1400" dirty="0"/>
+          </a:p>
+        </p:txBody>
+      </p:sp>
     </p:spTree>
   </p:cSld>
   <p:clrMapOvr>
@@ -1762,7 +1739,7 @@
                   <a:srgbClr val="000000"/>
                 </a:solidFill>
               </a:rPr>
-              <a:t>Key Components of Blockchain</a:t>
+              <a:t>How Binary Search Works</a:t>
             </a:r>
             <a:endParaRPr lang="en-US" sz="2200" dirty="0"/>
           </a:p>
@@ -1793,25 +1770,25 @@
               <a:buNone/>
             </a:pPr>
             <a:r>
+              <a:rPr lang="en-US" sz="1400" dirty="0">
+                <a:solidFill>
+                  <a:srgbClr val="A53010"/>
+                </a:solidFill>
+              </a:rPr>
+              <a:t>► </a:t>
+            </a:r>
+            <a:pPr algn="l" indent="0" marL="0">
+              <a:buNone/>
+            </a:pPr>
+            <a:r>
               <a:rPr lang="en-US" sz="1600" dirty="0">
                 <a:solidFill>
-                  <a:srgbClr val="30ACEC"/>
-                </a:solidFill>
-              </a:rPr>
-              <a:t>• </a:t>
-            </a:r>
-            <a:pPr algn="l" indent="0" marL="0">
-              <a:buNone/>
-            </a:pPr>
-            <a:r>
-              <a:rPr lang="en-US" sz="1600" dirty="0">
-                <a:solidFill>
                   <a:srgbClr val="333333"/>
                 </a:solidFill>
               </a:rPr>
-              <a:t>Blocks containing transaction data</a:t>
-            </a:r>
-            <a:endParaRPr lang="en-US" sz="1600" dirty="0"/>
+              <a:t>Compares target with middle element</a:t>
+            </a:r>
+            <a:endParaRPr lang="en-US" sz="1400" dirty="0"/>
           </a:p>
         </p:txBody>
       </p:sp>
@@ -1840,25 +1817,25 @@
               <a:buNone/>
             </a:pPr>
             <a:r>
+              <a:rPr lang="en-US" sz="1400" dirty="0">
+                <a:solidFill>
+                  <a:srgbClr val="A53010"/>
+                </a:solidFill>
+              </a:rPr>
+              <a:t>► </a:t>
+            </a:r>
+            <a:pPr algn="l" indent="0" marL="0">
+              <a:buNone/>
+            </a:pPr>
+            <a:r>
               <a:rPr lang="en-US" sz="1600" dirty="0">
                 <a:solidFill>
-                  <a:srgbClr val="30ACEC"/>
-                </a:solidFill>
-              </a:rPr>
-              <a:t>• </a:t>
-            </a:r>
-            <a:pPr algn="l" indent="0" marL="0">
-              <a:buNone/>
-            </a:pPr>
-            <a:r>
-              <a:rPr lang="en-US" sz="1600" dirty="0">
-                <a:solidFill>
                   <a:srgbClr val="333333"/>
                 </a:solidFill>
               </a:rPr>
-              <a:t>Cryptographic hash functions</a:t>
-            </a:r>
-            <a:endParaRPr lang="en-US" sz="1600" dirty="0"/>
+              <a:t>If target is greater, search right half</a:t>
+            </a:r>
+            <a:endParaRPr lang="en-US" sz="1400" dirty="0"/>
           </a:p>
         </p:txBody>
       </p:sp>
@@ -1887,25 +1864,25 @@
               <a:buNone/>
             </a:pPr>
             <a:r>
+              <a:rPr lang="en-US" sz="1400" dirty="0">
+                <a:solidFill>
+                  <a:srgbClr val="A53010"/>
+                </a:solidFill>
+              </a:rPr>
+              <a:t>► </a:t>
+            </a:r>
+            <a:pPr algn="l" indent="0" marL="0">
+              <a:buNone/>
+            </a:pPr>
+            <a:r>
               <a:rPr lang="en-US" sz="1600" dirty="0">
                 <a:solidFill>
-                  <a:srgbClr val="30ACEC"/>
-                </a:solidFill>
-              </a:rPr>
-              <a:t>• </a:t>
-            </a:r>
-            <a:pPr algn="l" indent="0" marL="0">
-              <a:buNone/>
-            </a:pPr>
-            <a:r>
-              <a:rPr lang="en-US" sz="1600" dirty="0">
-                <a:solidFill>
                   <a:srgbClr val="333333"/>
                 </a:solidFill>
               </a:rPr>
-              <a:t>Consensus mechanisms</a:t>
-            </a:r>
-            <a:endParaRPr lang="en-US" sz="1600" dirty="0"/>
+              <a:t>If target is smaller, search left half</a:t>
+            </a:r>
+            <a:endParaRPr lang="en-US" sz="1400" dirty="0"/>
           </a:p>
         </p:txBody>
       </p:sp>
@@ -1934,25 +1911,25 @@
               <a:buNone/>
             </a:pPr>
             <a:r>
+              <a:rPr lang="en-US" sz="1400" dirty="0">
+                <a:solidFill>
+                  <a:srgbClr val="A53010"/>
+                </a:solidFill>
+              </a:rPr>
+              <a:t>► </a:t>
+            </a:r>
+            <a:pPr algn="l" indent="0" marL="0">
+              <a:buNone/>
+            </a:pPr>
+            <a:r>
               <a:rPr lang="en-US" sz="1600" dirty="0">
                 <a:solidFill>
-                  <a:srgbClr val="30ACEC"/>
-                </a:solidFill>
-              </a:rPr>
-              <a:t>• </a:t>
-            </a:r>
-            <a:pPr algn="l" indent="0" marL="0">
-              <a:buNone/>
-            </a:pPr>
-            <a:r>
-              <a:rPr lang="en-US" sz="1600" dirty="0">
-                <a:solidFill>
                   <a:srgbClr val="333333"/>
                 </a:solidFill>
               </a:rPr>
-              <a:t>Smart contracts</a:t>
-            </a:r>
-            <a:endParaRPr lang="en-US" sz="1600" dirty="0"/>
+              <a:t>Repeat until target is found or not present</a:t>
+            </a:r>
+            <a:endParaRPr lang="en-US" sz="1400" dirty="0"/>
           </a:p>
         </p:txBody>
       </p:sp>
@@ -2011,7 +1988,7 @@
                   <a:srgbClr val="000000"/>
                 </a:solidFill>
               </a:rPr>
-              <a:t>Applications of Blockchain</a:t>
+              <a:t>Advantages of Binary Search</a:t>
             </a:r>
             <a:endParaRPr lang="en-US" sz="2200" dirty="0"/>
           </a:p>
@@ -2042,25 +2019,25 @@
               <a:buNone/>
             </a:pPr>
             <a:r>
+              <a:rPr lang="en-US" sz="1400" dirty="0">
+                <a:solidFill>
+                  <a:srgbClr val="A53010"/>
+                </a:solidFill>
+              </a:rPr>
+              <a:t>► </a:t>
+            </a:r>
+            <a:pPr algn="l" indent="0" marL="0">
+              <a:buNone/>
+            </a:pPr>
+            <a:r>
               <a:rPr lang="en-US" sz="1600" dirty="0">
                 <a:solidFill>
-                  <a:srgbClr val="30ACEC"/>
-                </a:solidFill>
-              </a:rPr>
-              <a:t>• </a:t>
-            </a:r>
-            <a:pPr algn="l" indent="0" marL="0">
-              <a:buNone/>
-            </a:pPr>
-            <a:r>
-              <a:rPr lang="en-US" sz="1600" dirty="0">
-                <a:solidFill>
                   <a:srgbClr val="333333"/>
                 </a:solidFill>
               </a:rPr>
-              <a:t>Cryptocurrency and digital payments</a:t>
-            </a:r>
-            <a:endParaRPr lang="en-US" sz="1600" dirty="0"/>
+              <a:t>Faster than linear search for large datasets</a:t>
+            </a:r>
+            <a:endParaRPr lang="en-US" sz="1400" dirty="0"/>
           </a:p>
         </p:txBody>
       </p:sp>
@@ -2089,25 +2066,25 @@
               <a:buNone/>
             </a:pPr>
             <a:r>
+              <a:rPr lang="en-US" sz="1400" dirty="0">
+                <a:solidFill>
+                  <a:srgbClr val="A53010"/>
+                </a:solidFill>
+              </a:rPr>
+              <a:t>► </a:t>
+            </a:r>
+            <a:pPr algn="l" indent="0" marL="0">
+              <a:buNone/>
+            </a:pPr>
+            <a:r>
               <a:rPr lang="en-US" sz="1600" dirty="0">
                 <a:solidFill>
-                  <a:srgbClr val="30ACEC"/>
-                </a:solidFill>
-              </a:rPr>
-              <a:t>• </a:t>
-            </a:r>
-            <a:pPr algn="l" indent="0" marL="0">
-              <a:buNone/>
-            </a:pPr>
-            <a:r>
-              <a:rPr lang="en-US" sz="1600" dirty="0">
-                <a:solidFill>
                   <a:srgbClr val="333333"/>
                 </a:solidFill>
               </a:rPr>
-              <a:t>Supply chain management</a:t>
-            </a:r>
-            <a:endParaRPr lang="en-US" sz="1600" dirty="0"/>
+              <a:t>Reduces time complexity significantly</a:t>
+            </a:r>
+            <a:endParaRPr lang="en-US" sz="1400" dirty="0"/>
           </a:p>
         </p:txBody>
       </p:sp>
@@ -2136,25 +2113,25 @@
               <a:buNone/>
             </a:pPr>
             <a:r>
+              <a:rPr lang="en-US" sz="1400" dirty="0">
+                <a:solidFill>
+                  <a:srgbClr val="A53010"/>
+                </a:solidFill>
+              </a:rPr>
+              <a:t>► </a:t>
+            </a:r>
+            <a:pPr algn="l" indent="0" marL="0">
+              <a:buNone/>
+            </a:pPr>
+            <a:r>
               <a:rPr lang="en-US" sz="1600" dirty="0">
                 <a:solidFill>
-                  <a:srgbClr val="30ACEC"/>
-                </a:solidFill>
-              </a:rPr>
-              <a:t>• </a:t>
-            </a:r>
-            <a:pPr algn="l" indent="0" marL="0">
-              <a:buNone/>
-            </a:pPr>
-            <a:r>
-              <a:rPr lang="en-US" sz="1600" dirty="0">
-                <a:solidFill>
                   <a:srgbClr val="333333"/>
                 </a:solidFill>
               </a:rPr>
-              <a:t>Healthcare records</a:t>
-            </a:r>
-            <a:endParaRPr lang="en-US" sz="1600" dirty="0"/>
+              <a:t>Memory efficient</a:t>
+            </a:r>
+            <a:endParaRPr lang="en-US" sz="1400" dirty="0"/>
           </a:p>
         </p:txBody>
       </p:sp>
@@ -2183,25 +2160,25 @@
               <a:buNone/>
             </a:pPr>
             <a:r>
+              <a:rPr lang="en-US" sz="1400" dirty="0">
+                <a:solidFill>
+                  <a:srgbClr val="A53010"/>
+                </a:solidFill>
+              </a:rPr>
+              <a:t>► </a:t>
+            </a:r>
+            <a:pPr algn="l" indent="0" marL="0">
+              <a:buNone/>
+            </a:pPr>
+            <a:r>
               <a:rPr lang="en-US" sz="1600" dirty="0">
                 <a:solidFill>
-                  <a:srgbClr val="30ACEC"/>
-                </a:solidFill>
-              </a:rPr>
-              <a:t>• </a:t>
-            </a:r>
-            <a:pPr algn="l" indent="0" marL="0">
-              <a:buNone/>
-            </a:pPr>
-            <a:r>
-              <a:rPr lang="en-US" sz="1600" dirty="0">
-                <a:solidFill>
                   <a:srgbClr val="333333"/>
                 </a:solidFill>
               </a:rPr>
-              <a:t>Digital identity verification</a:t>
-            </a:r>
-            <a:endParaRPr lang="en-US" sz="1600" dirty="0"/>
+              <a:t>Perfect for sorted collections</a:t>
+            </a:r>
+            <a:endParaRPr lang="en-US" sz="1400" dirty="0"/>
           </a:p>
         </p:txBody>
       </p:sp>
@@ -2260,7 +2237,7 @@
                   <a:srgbClr val="000000"/>
                 </a:solidFill>
               </a:rPr>
-              <a:t>Benefits of Blockchain Technology</a:t>
+              <a:t>Requirements and Limitations</a:t>
             </a:r>
             <a:endParaRPr lang="en-US" sz="2200" dirty="0"/>
           </a:p>
@@ -2291,25 +2268,25 @@
               <a:buNone/>
             </a:pPr>
             <a:r>
+              <a:rPr lang="en-US" sz="1400" dirty="0">
+                <a:solidFill>
+                  <a:srgbClr val="A53010"/>
+                </a:solidFill>
+              </a:rPr>
+              <a:t>► </a:t>
+            </a:r>
+            <a:pPr algn="l" indent="0" marL="0">
+              <a:buNone/>
+            </a:pPr>
+            <a:r>
               <a:rPr lang="en-US" sz="1600" dirty="0">
                 <a:solidFill>
-                  <a:srgbClr val="30ACEC"/>
-                </a:solidFill>
-              </a:rPr>
-              <a:t>• </a:t>
-            </a:r>
-            <a:pPr algn="l" indent="0" marL="0">
-              <a:buNone/>
-            </a:pPr>
-            <a:r>
-              <a:rPr lang="en-US" sz="1600" dirty="0">
-                <a:solidFill>
                   <a:srgbClr val="333333"/>
                 </a:solidFill>
               </a:rPr>
-              <a:t>Enhanced security and transparency</a:t>
-            </a:r>
-            <a:endParaRPr lang="en-US" sz="1600" dirty="0"/>
+              <a:t>Array must be sorted</a:t>
+            </a:r>
+            <a:endParaRPr lang="en-US" sz="1400" dirty="0"/>
           </a:p>
         </p:txBody>
       </p:sp>
@@ -2338,25 +2315,25 @@
               <a:buNone/>
             </a:pPr>
             <a:r>
+              <a:rPr lang="en-US" sz="1400" dirty="0">
+                <a:solidFill>
+                  <a:srgbClr val="A53010"/>
+                </a:solidFill>
+              </a:rPr>
+              <a:t>► </a:t>
+            </a:r>
+            <a:pPr algn="l" indent="0" marL="0">
+              <a:buNone/>
+            </a:pPr>
+            <a:r>
               <a:rPr lang="en-US" sz="1600" dirty="0">
                 <a:solidFill>
-                  <a:srgbClr val="30ACEC"/>
-                </a:solidFill>
-              </a:rPr>
-              <a:t>• </a:t>
-            </a:r>
-            <a:pPr algn="l" indent="0" marL="0">
-              <a:buNone/>
-            </a:pPr>
-            <a:r>
-              <a:rPr lang="en-US" sz="1600" dirty="0">
-                <a:solidFill>
                   <a:srgbClr val="333333"/>
                 </a:solidFill>
               </a:rPr>
-              <a:t>Reduced operational costs</a:t>
-            </a:r>
-            <a:endParaRPr lang="en-US" sz="1600" dirty="0"/>
+              <a:t>Random access to elements needed</a:t>
+            </a:r>
+            <a:endParaRPr lang="en-US" sz="1400" dirty="0"/>
           </a:p>
         </p:txBody>
       </p:sp>
@@ -2385,25 +2362,25 @@
               <a:buNone/>
             </a:pPr>
             <a:r>
+              <a:rPr lang="en-US" sz="1400" dirty="0">
+                <a:solidFill>
+                  <a:srgbClr val="A53010"/>
+                </a:solidFill>
+              </a:rPr>
+              <a:t>► </a:t>
+            </a:r>
+            <a:pPr algn="l" indent="0" marL="0">
+              <a:buNone/>
+            </a:pPr>
+            <a:r>
               <a:rPr lang="en-US" sz="1600" dirty="0">
                 <a:solidFill>
-                  <a:srgbClr val="30ACEC"/>
-                </a:solidFill>
-              </a:rPr>
-              <a:t>• </a:t>
-            </a:r>
-            <a:pPr algn="l" indent="0" marL="0">
-              <a:buNone/>
-            </a:pPr>
-            <a:r>
-              <a:rPr lang="en-US" sz="1600" dirty="0">
-                <a:solidFill>
                   <a:srgbClr val="333333"/>
                 </a:solidFill>
               </a:rPr>
-              <a:t>Elimination of intermediaries</a:t>
-            </a:r>
-            <a:endParaRPr lang="en-US" sz="1600" dirty="0"/>
+              <a:t>Not suitable for linked lists</a:t>
+            </a:r>
+            <a:endParaRPr lang="en-US" sz="1400" dirty="0"/>
           </a:p>
         </p:txBody>
       </p:sp>
@@ -2432,25 +2409,25 @@
               <a:buNone/>
             </a:pPr>
             <a:r>
+              <a:rPr lang="en-US" sz="1400" dirty="0">
+                <a:solidFill>
+                  <a:srgbClr val="A53010"/>
+                </a:solidFill>
+              </a:rPr>
+              <a:t>► </a:t>
+            </a:r>
+            <a:pPr algn="l" indent="0" marL="0">
+              <a:buNone/>
+            </a:pPr>
+            <a:r>
               <a:rPr lang="en-US" sz="1600" dirty="0">
                 <a:solidFill>
-                  <a:srgbClr val="30ACEC"/>
-                </a:solidFill>
-              </a:rPr>
-              <a:t>• </a:t>
-            </a:r>
-            <a:pPr algn="l" indent="0" marL="0">
-              <a:buNone/>
-            </a:pPr>
-            <a:r>
-              <a:rPr lang="en-US" sz="1600" dirty="0">
-                <a:solidFill>
                   <a:srgbClr val="333333"/>
                 </a:solidFill>
               </a:rPr>
-              <a:t>Improved traceability</a:t>
-            </a:r>
-            <a:endParaRPr lang="en-US" sz="1600" dirty="0"/>
+              <a:t>Requires extra space for recursive implementation</a:t>
+            </a:r>
+            <a:endParaRPr lang="en-US" sz="1400" dirty="0"/>
           </a:p>
         </p:txBody>
       </p:sp>
@@ -2509,7 +2486,7 @@
                   <a:srgbClr val="000000"/>
                 </a:solidFill>
               </a:rPr>
-              <a:t>Blockchain Security Features</a:t>
+              <a:t>Real-World Applications</a:t>
             </a:r>
             <a:endParaRPr lang="en-US" sz="2200" dirty="0"/>
           </a:p>
@@ -2545,7 +2522,7 @@
                   <a:srgbClr val="333333"/>
                 </a:solidFill>
               </a:rPr>
-              <a:t>Blockchain technology employs advanced cryptographic techniques to ensure data</a:t>
+              <a:t>Binary search is extensively used in various real-world scenarios, from database</a:t>
             </a:r>
             <a:endParaRPr lang="en-US" sz="1600" dirty="0"/>
           </a:p>
@@ -2581,7 +2558,7 @@
                   <a:srgbClr val="333333"/>
                 </a:solidFill>
               </a:rPr>
-              <a:t>security and integrity. Each transaction is encrypted and linked to previous</a:t>
+              <a:t>systems to phone directories. Its efficiency makes it ideal for large-scale</a:t>
             </a:r>
             <a:endParaRPr lang="en-US" sz="1600" dirty="0"/>
           </a:p>
@@ -2617,7 +2594,7 @@
                   <a:srgbClr val="333333"/>
                 </a:solidFill>
               </a:rPr>
-              <a:t>transactions, creating an unbreakable chain of information. This architecture</a:t>
+              <a:t>applications where quick search operations are crucial. The algorithm's</a:t>
             </a:r>
             <a:endParaRPr lang="en-US" sz="1600" dirty="0"/>
           </a:p>
@@ -2653,43 +2630,7 @@
                   <a:srgbClr val="333333"/>
                 </a:solidFill>
               </a:rPr>
-              <a:t>makes it virtually impossible to alter or hack the system, providing a secure</a:t>
-            </a:r>
-            <a:endParaRPr lang="en-US" sz="1600" dirty="0"/>
-          </a:p>
-        </p:txBody>
-      </p:sp>
-      <p:sp>
-        <p:nvSpPr>
-          <p:cNvPr id="7" name="Text 5"/>
-          <p:cNvSpPr/>
-          <p:nvPr/>
-        </p:nvSpPr>
-        <p:spPr>
-          <a:xfrm>
-            <a:off x="914400" y="3840480"/>
-            <a:ext cx="8686800" cy="0"/>
-          </a:xfrm>
-          <a:prstGeom prst="rect">
-            <a:avLst/>
-          </a:prstGeom>
-          <a:noFill/>
-          <a:ln/>
-        </p:spPr>
-        <p:txBody>
-          <a:bodyPr wrap="square" rtlCol="0" anchor="ctr"/>
-          <a:lstStyle/>
-          <a:p>
-            <a:pPr algn="l" indent="0" marL="0">
-              <a:buNone/>
-            </a:pPr>
-            <a:r>
-              <a:rPr lang="en-US" sz="1600" dirty="0">
-                <a:solidFill>
-                  <a:srgbClr val="333333"/>
-                </a:solidFill>
-              </a:rPr>
-              <a:t>foundation for various applications.</a:t>
+              <a:t>predictable performance makes it a reliable choice for mission-critical systems.</a:t>
             </a:r>
             <a:endParaRPr lang="en-US" sz="1600" dirty="0"/>
           </a:p>
@@ -2750,7 +2691,7 @@
                   <a:srgbClr val="000000"/>
                 </a:solidFill>
               </a:rPr>
-              <a:t>Future of Blockchain</a:t>
+              <a:t>Best Practices</a:t>
             </a:r>
             <a:endParaRPr lang="en-US" sz="2200" dirty="0"/>
           </a:p>
@@ -2781,25 +2722,25 @@
               <a:buNone/>
             </a:pPr>
             <a:r>
+              <a:rPr lang="en-US" sz="1400" dirty="0">
+                <a:solidFill>
+                  <a:srgbClr val="A53010"/>
+                </a:solidFill>
+              </a:rPr>
+              <a:t>► </a:t>
+            </a:r>
+            <a:pPr algn="l" indent="0" marL="0">
+              <a:buNone/>
+            </a:pPr>
+            <a:r>
               <a:rPr lang="en-US" sz="1600" dirty="0">
                 <a:solidFill>
-                  <a:srgbClr val="30ACEC"/>
-                </a:solidFill>
-              </a:rPr>
-              <a:t>• </a:t>
-            </a:r>
-            <a:pPr algn="l" indent="0" marL="0">
-              <a:buNone/>
-            </a:pPr>
-            <a:r>
-              <a:rPr lang="en-US" sz="1600" dirty="0">
-                <a:solidFill>
                   <a:srgbClr val="333333"/>
                 </a:solidFill>
               </a:rPr>
-              <a:t>Integration with IoT devices</a:t>
-            </a:r>
-            <a:endParaRPr lang="en-US" sz="1600" dirty="0"/>
+              <a:t>Always verify array is sorted</a:t>
+            </a:r>
+            <a:endParaRPr lang="en-US" sz="1400" dirty="0"/>
           </a:p>
         </p:txBody>
       </p:sp>
@@ -2828,25 +2769,25 @@
               <a:buNone/>
             </a:pPr>
             <a:r>
+              <a:rPr lang="en-US" sz="1400" dirty="0">
+                <a:solidFill>
+                  <a:srgbClr val="A53010"/>
+                </a:solidFill>
+              </a:rPr>
+              <a:t>► </a:t>
+            </a:r>
+            <a:pPr algn="l" indent="0" marL="0">
+              <a:buNone/>
+            </a:pPr>
+            <a:r>
               <a:rPr lang="en-US" sz="1600" dirty="0">
                 <a:solidFill>
-                  <a:srgbClr val="30ACEC"/>
-                </a:solidFill>
-              </a:rPr>
-              <a:t>• </a:t>
-            </a:r>
-            <a:pPr algn="l" indent="0" marL="0">
-              <a:buNone/>
-            </a:pPr>
-            <a:r>
-              <a:rPr lang="en-US" sz="1600" dirty="0">
-                <a:solidFill>
                   <a:srgbClr val="333333"/>
                 </a:solidFill>
               </a:rPr>
-              <a:t>Government adoption</a:t>
-            </a:r>
-            <a:endParaRPr lang="en-US" sz="1600" dirty="0"/>
+              <a:t>Handle edge cases properly</a:t>
+            </a:r>
+            <a:endParaRPr lang="en-US" sz="1400" dirty="0"/>
           </a:p>
         </p:txBody>
       </p:sp>
@@ -2875,25 +2816,25 @@
               <a:buNone/>
             </a:pPr>
             <a:r>
+              <a:rPr lang="en-US" sz="1400" dirty="0">
+                <a:solidFill>
+                  <a:srgbClr val="A53010"/>
+                </a:solidFill>
+              </a:rPr>
+              <a:t>► </a:t>
+            </a:r>
+            <a:pPr algn="l" indent="0" marL="0">
+              <a:buNone/>
+            </a:pPr>
+            <a:r>
               <a:rPr lang="en-US" sz="1600" dirty="0">
                 <a:solidFill>
-                  <a:srgbClr val="30ACEC"/>
-                </a:solidFill>
-              </a:rPr>
-              <a:t>• </a:t>
-            </a:r>
-            <a:pPr algn="l" indent="0" marL="0">
-              <a:buNone/>
-            </a:pPr>
-            <a:r>
-              <a:rPr lang="en-US" sz="1600" dirty="0">
-                <a:solidFill>
                   <a:srgbClr val="333333"/>
                 </a:solidFill>
               </a:rPr>
-              <a:t>Cross-border transactions</a:t>
-            </a:r>
-            <a:endParaRPr lang="en-US" sz="1600" dirty="0"/>
+              <a:t>Consider array size</a:t>
+            </a:r>
+            <a:endParaRPr lang="en-US" sz="1400" dirty="0"/>
           </a:p>
         </p:txBody>
       </p:sp>
@@ -2922,25 +2863,25 @@
               <a:buNone/>
             </a:pPr>
             <a:r>
+              <a:rPr lang="en-US" sz="1400" dirty="0">
+                <a:solidFill>
+                  <a:srgbClr val="A53010"/>
+                </a:solidFill>
+              </a:rPr>
+              <a:t>► </a:t>
+            </a:r>
+            <a:pPr algn="l" indent="0" marL="0">
+              <a:buNone/>
+            </a:pPr>
+            <a:r>
               <a:rPr lang="en-US" sz="1600" dirty="0">
                 <a:solidFill>
-                  <a:srgbClr val="30ACEC"/>
-                </a:solidFill>
-              </a:rPr>
-              <a:t>• </a:t>
-            </a:r>
-            <a:pPr algn="l" indent="0" marL="0">
-              <a:buNone/>
-            </a:pPr>
-            <a:r>
-              <a:rPr lang="en-US" sz="1600" dirty="0">
-                <a:solidFill>
                   <a:srgbClr val="333333"/>
                 </a:solidFill>
               </a:rPr>
-              <a:t>Environmental sustainability solutions</a:t>
-            </a:r>
-            <a:endParaRPr lang="en-US" sz="1600" dirty="0"/>
+              <a:t>Check for overflow in mid calculation</a:t>
+            </a:r>
+            <a:endParaRPr lang="en-US" sz="1400" dirty="0"/>
           </a:p>
         </p:txBody>
       </p:sp>
@@ -2999,7 +2940,7 @@
                   <a:srgbClr val="000000"/>
                 </a:solidFill>
               </a:rPr>
-              <a:t>Impact on Global Economy</a:t>
+              <a:t>Conclusion</a:t>
             </a:r>
             <a:endParaRPr lang="en-US" sz="2200" dirty="0"/>
           </a:p>
@@ -3035,7 +2976,7 @@
                   <a:srgbClr val="333333"/>
                 </a:solidFill>
               </a:rPr>
-              <a:t>Blockchain technology is revolutionizing the global economy by enabling faster,</a:t>
+              <a:t>Binary search stands as one of the fundamental algorithms in computer science,</a:t>
             </a:r>
             <a:endParaRPr lang="en-US" sz="1600" dirty="0"/>
           </a:p>
@@ -3071,7 +3012,7 @@
                   <a:srgbClr val="333333"/>
                 </a:solidFill>
               </a:rPr>
-              <a:t>more secure, and cost-effective transactions across borders. It's creating new</a:t>
+              <a:t>offering an elegant solution to the search problem. Its logarithmic time</a:t>
             </a:r>
             <a:endParaRPr lang="en-US" sz="1600" dirty="0"/>
           </a:p>
@@ -3107,7 +3048,7 @@
                   <a:srgbClr val="333333"/>
                 </a:solidFill>
               </a:rPr>
-              <a:t>business models, improving financial inclusion, and transforming traditional</a:t>
+              <a:t>complexity makes it invaluable for applications dealing with large datasets,</a:t>
             </a:r>
             <a:endParaRPr lang="en-US" sz="1600" dirty="0"/>
           </a:p>
@@ -3143,7 +3084,7 @@
                   <a:srgbClr val="333333"/>
                 </a:solidFill>
               </a:rPr>
-              <a:t>industries through decentralized solutions.</a:t>
+              <a:t>though its requirement for sorted data must always be considered.</a:t>
             </a:r>
             <a:endParaRPr lang="en-US" sz="1600" dirty="0"/>
           </a:p>
